--- a/_book/plot/ss-q5-bar-1.pptx
+++ b/_book/plot/ss-q5-bar-1.pptx
@@ -3192,8 +3192,8 @@
           </p:nvSpPr>
           <p:spPr>
             <a:xfrm>
-              <a:off x="3464652" y="1604803"/>
-              <a:ext cx="2075982" cy="1794912"/>
+              <a:off x="3462909" y="1604803"/>
+              <a:ext cx="2077726" cy="1798609"/>
             </a:xfrm>
             <a:prstGeom prst="rect">
               <a:avLst/>
@@ -3218,15 +3218,15 @@
           </p:nvSpPr>
           <p:spPr>
             <a:xfrm>
-              <a:off x="3730771" y="1604803"/>
-              <a:ext cx="0" cy="1794912"/>
+              <a:off x="3729251" y="1604803"/>
+              <a:ext cx="0" cy="1798609"/>
             </a:xfrm>
             <a:custGeom>
               <a:avLst/>
               <a:pathLst>
-                <a:path w="0" h="1794912">
+                <a:path w="0" h="1798609">
                   <a:moveTo>
-                    <a:pt x="0" y="1794912"/>
+                    <a:pt x="0" y="1798609"/>
                   </a:moveTo>
                   <a:lnTo>
                     <a:pt x="0" y="0"/>
@@ -3261,15 +3261,15 @@
           </p:nvSpPr>
           <p:spPr>
             <a:xfrm>
-              <a:off x="4263009" y="1604803"/>
-              <a:ext cx="0" cy="1794912"/>
+              <a:off x="4261936" y="1604803"/>
+              <a:ext cx="0" cy="1798609"/>
             </a:xfrm>
             <a:custGeom>
               <a:avLst/>
               <a:pathLst>
-                <a:path w="0" h="1794912">
+                <a:path w="0" h="1798609">
                   <a:moveTo>
-                    <a:pt x="0" y="1794912"/>
+                    <a:pt x="0" y="1798609"/>
                   </a:moveTo>
                   <a:lnTo>
                     <a:pt x="0" y="0"/>
@@ -3304,15 +3304,15 @@
           </p:nvSpPr>
           <p:spPr>
             <a:xfrm>
-              <a:off x="4795247" y="1604803"/>
-              <a:ext cx="0" cy="1794912"/>
+              <a:off x="4794621" y="1604803"/>
+              <a:ext cx="0" cy="1798609"/>
             </a:xfrm>
             <a:custGeom>
               <a:avLst/>
               <a:pathLst>
-                <a:path w="0" h="1794912">
+                <a:path w="0" h="1798609">
                   <a:moveTo>
-                    <a:pt x="0" y="1794912"/>
+                    <a:pt x="0" y="1798609"/>
                   </a:moveTo>
                   <a:lnTo>
                     <a:pt x="0" y="0"/>
@@ -3347,15 +3347,15 @@
           </p:nvSpPr>
           <p:spPr>
             <a:xfrm>
-              <a:off x="5327485" y="1604803"/>
-              <a:ext cx="0" cy="1794912"/>
+              <a:off x="5327306" y="1604803"/>
+              <a:ext cx="0" cy="1798609"/>
             </a:xfrm>
             <a:custGeom>
               <a:avLst/>
               <a:pathLst>
-                <a:path w="0" h="1794912">
+                <a:path w="0" h="1798609">
                   <a:moveTo>
-                    <a:pt x="0" y="1794912"/>
+                    <a:pt x="0" y="1798609"/>
                   </a:moveTo>
                   <a:lnTo>
                     <a:pt x="0" y="0"/>
@@ -3390,21 +3390,21 @@
           </p:nvSpPr>
           <p:spPr>
             <a:xfrm>
-              <a:off x="3464652" y="3143299"/>
-              <a:ext cx="2075982" cy="0"/>
+              <a:off x="3462909" y="3146468"/>
+              <a:ext cx="2077726" cy="0"/>
             </a:xfrm>
             <a:custGeom>
               <a:avLst/>
               <a:pathLst>
-                <a:path w="2075982" h="0">
+                <a:path w="2077726" h="0">
                   <a:moveTo>
                     <a:pt x="0" y="0"/>
                   </a:moveTo>
                   <a:lnTo>
-                    <a:pt x="2075982" y="0"/>
-                  </a:lnTo>
-                  <a:lnTo>
-                    <a:pt x="2075982" y="0"/>
+                    <a:pt x="2077726" y="0"/>
+                  </a:lnTo>
+                  <a:lnTo>
+                    <a:pt x="2077726" y="0"/>
                   </a:lnTo>
                 </a:path>
               </a:pathLst>
@@ -3433,21 +3433,21 @@
           </p:nvSpPr>
           <p:spPr>
             <a:xfrm>
-              <a:off x="3464652" y="2715939"/>
-              <a:ext cx="2075982" cy="0"/>
+              <a:off x="3462909" y="2718228"/>
+              <a:ext cx="2077726" cy="0"/>
             </a:xfrm>
             <a:custGeom>
               <a:avLst/>
               <a:pathLst>
-                <a:path w="2075982" h="0">
+                <a:path w="2077726" h="0">
                   <a:moveTo>
                     <a:pt x="0" y="0"/>
                   </a:moveTo>
                   <a:lnTo>
-                    <a:pt x="2075982" y="0"/>
-                  </a:lnTo>
-                  <a:lnTo>
-                    <a:pt x="2075982" y="0"/>
+                    <a:pt x="2077726" y="0"/>
+                  </a:lnTo>
+                  <a:lnTo>
+                    <a:pt x="2077726" y="0"/>
                   </a:lnTo>
                 </a:path>
               </a:pathLst>
@@ -3476,21 +3476,21 @@
           </p:nvSpPr>
           <p:spPr>
             <a:xfrm>
-              <a:off x="3464652" y="2288579"/>
-              <a:ext cx="2075982" cy="0"/>
+              <a:off x="3462909" y="2289987"/>
+              <a:ext cx="2077726" cy="0"/>
             </a:xfrm>
             <a:custGeom>
               <a:avLst/>
               <a:pathLst>
-                <a:path w="2075982" h="0">
+                <a:path w="2077726" h="0">
                   <a:moveTo>
                     <a:pt x="0" y="0"/>
                   </a:moveTo>
                   <a:lnTo>
-                    <a:pt x="2075982" y="0"/>
-                  </a:lnTo>
-                  <a:lnTo>
-                    <a:pt x="2075982" y="0"/>
+                    <a:pt x="2077726" y="0"/>
+                  </a:lnTo>
+                  <a:lnTo>
+                    <a:pt x="2077726" y="0"/>
                   </a:lnTo>
                 </a:path>
               </a:pathLst>
@@ -3519,21 +3519,21 @@
           </p:nvSpPr>
           <p:spPr>
             <a:xfrm>
-              <a:off x="3464652" y="1861219"/>
-              <a:ext cx="2075982" cy="0"/>
+              <a:off x="3462909" y="1861747"/>
+              <a:ext cx="2077726" cy="0"/>
             </a:xfrm>
             <a:custGeom>
               <a:avLst/>
               <a:pathLst>
-                <a:path w="2075982" h="0">
+                <a:path w="2077726" h="0">
                   <a:moveTo>
                     <a:pt x="0" y="0"/>
                   </a:moveTo>
                   <a:lnTo>
-                    <a:pt x="2075982" y="0"/>
-                  </a:lnTo>
-                  <a:lnTo>
-                    <a:pt x="2075982" y="0"/>
+                    <a:pt x="2077726" y="0"/>
+                  </a:lnTo>
+                  <a:lnTo>
+                    <a:pt x="2077726" y="0"/>
                   </a:lnTo>
                 </a:path>
               </a:pathLst>
@@ -3562,15 +3562,15 @@
           </p:nvSpPr>
           <p:spPr>
             <a:xfrm>
-              <a:off x="3464652" y="1604803"/>
-              <a:ext cx="0" cy="1794912"/>
+              <a:off x="3462909" y="1604803"/>
+              <a:ext cx="0" cy="1798609"/>
             </a:xfrm>
             <a:custGeom>
               <a:avLst/>
               <a:pathLst>
-                <a:path w="0" h="1794912">
+                <a:path w="0" h="1798609">
                   <a:moveTo>
-                    <a:pt x="0" y="1794912"/>
+                    <a:pt x="0" y="1798609"/>
                   </a:moveTo>
                   <a:lnTo>
                     <a:pt x="0" y="0"/>
@@ -3605,15 +3605,15 @@
           </p:nvSpPr>
           <p:spPr>
             <a:xfrm>
-              <a:off x="3996890" y="1604803"/>
-              <a:ext cx="0" cy="1794912"/>
+              <a:off x="3995594" y="1604803"/>
+              <a:ext cx="0" cy="1798609"/>
             </a:xfrm>
             <a:custGeom>
               <a:avLst/>
               <a:pathLst>
-                <a:path w="0" h="1794912">
+                <a:path w="0" h="1798609">
                   <a:moveTo>
-                    <a:pt x="0" y="1794912"/>
+                    <a:pt x="0" y="1798609"/>
                   </a:moveTo>
                   <a:lnTo>
                     <a:pt x="0" y="0"/>
@@ -3648,15 +3648,15 @@
           </p:nvSpPr>
           <p:spPr>
             <a:xfrm>
-              <a:off x="4529128" y="1604803"/>
-              <a:ext cx="0" cy="1794912"/>
+              <a:off x="4528279" y="1604803"/>
+              <a:ext cx="0" cy="1798609"/>
             </a:xfrm>
             <a:custGeom>
               <a:avLst/>
               <a:pathLst>
-                <a:path w="0" h="1794912">
+                <a:path w="0" h="1798609">
                   <a:moveTo>
-                    <a:pt x="0" y="1794912"/>
+                    <a:pt x="0" y="1798609"/>
                   </a:moveTo>
                   <a:lnTo>
                     <a:pt x="0" y="0"/>
@@ -3691,15 +3691,15 @@
           </p:nvSpPr>
           <p:spPr>
             <a:xfrm>
-              <a:off x="5061366" y="1604803"/>
-              <a:ext cx="0" cy="1794912"/>
+              <a:off x="5060963" y="1604803"/>
+              <a:ext cx="0" cy="1798609"/>
             </a:xfrm>
             <a:custGeom>
               <a:avLst/>
               <a:pathLst>
-                <a:path w="0" h="1794912">
+                <a:path w="0" h="1798609">
                   <a:moveTo>
-                    <a:pt x="0" y="1794912"/>
+                    <a:pt x="0" y="1798609"/>
                   </a:moveTo>
                   <a:lnTo>
                     <a:pt x="0" y="0"/>
@@ -3734,8 +3734,8 @@
           </p:nvSpPr>
           <p:spPr>
             <a:xfrm>
-              <a:off x="3464652" y="1668907"/>
-              <a:ext cx="227797" cy="384624"/>
+              <a:off x="3462909" y="1669039"/>
+              <a:ext cx="227989" cy="385416"/>
             </a:xfrm>
             <a:prstGeom prst="rect">
               <a:avLst/>
@@ -3760,8 +3760,8 @@
           </p:nvSpPr>
           <p:spPr>
             <a:xfrm>
-              <a:off x="3464652" y="2096267"/>
-              <a:ext cx="1552005" cy="384624"/>
+              <a:off x="3462909" y="2097279"/>
+              <a:ext cx="1553308" cy="385416"/>
             </a:xfrm>
             <a:prstGeom prst="rect">
               <a:avLst/>
@@ -3786,8 +3786,8 @@
           </p:nvSpPr>
           <p:spPr>
             <a:xfrm>
-              <a:off x="3464652" y="2523627"/>
-              <a:ext cx="583332" cy="384624"/>
+              <a:off x="3462909" y="2525519"/>
+              <a:ext cx="583822" cy="385416"/>
             </a:xfrm>
             <a:prstGeom prst="rect">
               <a:avLst/>
@@ -3812,8 +3812,8 @@
           </p:nvSpPr>
           <p:spPr>
             <a:xfrm>
-              <a:off x="3464652" y="2950987"/>
-              <a:ext cx="2035277" cy="384624"/>
+              <a:off x="3462909" y="2953760"/>
+              <a:ext cx="2036986" cy="385416"/>
             </a:xfrm>
             <a:prstGeom prst="rect">
               <a:avLst/>
@@ -3838,7 +3838,7 @@
           </p:nvSpPr>
           <p:spPr>
             <a:xfrm>
-              <a:off x="4795260" y="2236372"/>
+              <a:off x="4794782" y="2237780"/>
               <a:ext cx="50867" cy="74581"/>
             </a:xfrm>
             <a:custGeom>
@@ -4124,7 +4124,7 @@
           </p:nvSpPr>
           <p:spPr>
             <a:xfrm>
-              <a:off x="4854650" y="2235260"/>
+              <a:off x="4854172" y="2236669"/>
               <a:ext cx="52191" cy="75692"/>
             </a:xfrm>
             <a:custGeom>
@@ -4890,7 +4890,7 @@
           </p:nvSpPr>
           <p:spPr>
             <a:xfrm>
-              <a:off x="4914939" y="2235260"/>
+              <a:off x="4914461" y="2236669"/>
               <a:ext cx="52508" cy="76751"/>
             </a:xfrm>
             <a:custGeom>
@@ -5764,7 +5764,7 @@
           </p:nvSpPr>
           <p:spPr>
             <a:xfrm>
-              <a:off x="4930025" y="2246905"/>
+              <a:off x="4929547" y="2248314"/>
               <a:ext cx="21702" cy="27101"/>
             </a:xfrm>
             <a:custGeom>
@@ -6275,7 +6275,7 @@
           </p:nvSpPr>
           <p:spPr>
             <a:xfrm>
-              <a:off x="5277632" y="3089981"/>
+              <a:off x="5277560" y="3093150"/>
               <a:ext cx="52508" cy="76751"/>
             </a:xfrm>
             <a:custGeom>
@@ -7149,7 +7149,7 @@
           </p:nvSpPr>
           <p:spPr>
             <a:xfrm>
-              <a:off x="5292718" y="3101626"/>
+              <a:off x="5292646" y="3104795"/>
               <a:ext cx="21702" cy="27101"/>
             </a:xfrm>
             <a:custGeom>
@@ -7660,7 +7660,7 @@
           </p:nvSpPr>
           <p:spPr>
             <a:xfrm>
-              <a:off x="5337498" y="3091092"/>
+              <a:off x="5337426" y="3094261"/>
               <a:ext cx="53937" cy="75640"/>
             </a:xfrm>
             <a:custGeom>
@@ -8492,7 +8492,7 @@
           </p:nvSpPr>
           <p:spPr>
             <a:xfrm>
-              <a:off x="5398423" y="3089981"/>
+              <a:off x="5398351" y="3093150"/>
               <a:ext cx="52402" cy="76751"/>
             </a:xfrm>
             <a:custGeom>
@@ -9186,7 +9186,7 @@
           </p:nvSpPr>
           <p:spPr>
             <a:xfrm>
-              <a:off x="5414038" y="3128621"/>
+              <a:off x="5413966" y="3131790"/>
               <a:ext cx="21860" cy="26518"/>
             </a:xfrm>
             <a:custGeom>
@@ -9637,7 +9637,7 @@
           </p:nvSpPr>
           <p:spPr>
             <a:xfrm>
-              <a:off x="3745895" y="1823928"/>
+              <a:off x="3744380" y="1824456"/>
               <a:ext cx="46739" cy="74581"/>
             </a:xfrm>
             <a:custGeom>
@@ -9701,7 +9701,7 @@
           </p:nvSpPr>
           <p:spPr>
             <a:xfrm>
-              <a:off x="3802162" y="1822816"/>
+              <a:off x="3800647" y="1823345"/>
               <a:ext cx="51820" cy="76751"/>
             </a:xfrm>
             <a:custGeom>
@@ -10212,7 +10212,7 @@
           </p:nvSpPr>
           <p:spPr>
             <a:xfrm>
-              <a:off x="3811795" y="1830545"/>
+              <a:off x="3810281" y="1831073"/>
               <a:ext cx="32500" cy="61242"/>
             </a:xfrm>
             <a:custGeom>
@@ -10723,7 +10723,7 @@
           </p:nvSpPr>
           <p:spPr>
             <a:xfrm>
-              <a:off x="3863775" y="1823928"/>
+              <a:off x="3862260" y="1824456"/>
               <a:ext cx="49279" cy="74581"/>
             </a:xfrm>
             <a:custGeom>
@@ -11009,7 +11009,7 @@
           </p:nvSpPr>
           <p:spPr>
             <a:xfrm>
-              <a:off x="4098624" y="2677537"/>
+              <a:off x="4097408" y="2679825"/>
               <a:ext cx="49385" cy="75692"/>
             </a:xfrm>
             <a:custGeom>
@@ -11955,7 +11955,7 @@
           </p:nvSpPr>
           <p:spPr>
             <a:xfrm>
-              <a:off x="4159020" y="2678648"/>
+              <a:off x="4157804" y="2680937"/>
               <a:ext cx="49279" cy="74581"/>
             </a:xfrm>
             <a:custGeom>
@@ -12241,7 +12241,7 @@
           </p:nvSpPr>
           <p:spPr>
             <a:xfrm>
-              <a:off x="4216239" y="2678648"/>
+              <a:off x="4215024" y="2680937"/>
               <a:ext cx="54625" cy="74581"/>
             </a:xfrm>
             <a:custGeom>
@@ -12305,7 +12305,7 @@
           </p:nvSpPr>
           <p:spPr>
             <a:xfrm>
-              <a:off x="4225026" y="2690023"/>
+              <a:off x="4223810" y="2692312"/>
               <a:ext cx="26360" cy="38804"/>
             </a:xfrm>
             <a:custGeom>
@@ -12516,8 +12516,8 @@
           </p:nvSpPr>
           <p:spPr>
             <a:xfrm>
-              <a:off x="3464652" y="1604803"/>
-              <a:ext cx="2075982" cy="1794912"/>
+              <a:off x="3462909" y="1604803"/>
+              <a:ext cx="2077726" cy="1798609"/>
             </a:xfrm>
             <a:prstGeom prst="rect">
               <a:avLst/>
@@ -12546,7 +12546,7 @@
           </p:nvSpPr>
           <p:spPr>
             <a:xfrm>
-              <a:off x="2299434" y="3101962"/>
+              <a:off x="2297690" y="3105131"/>
               <a:ext cx="58772" cy="79781"/>
             </a:xfrm>
             <a:custGeom>
@@ -12826,7 +12826,7 @@
           </p:nvSpPr>
           <p:spPr>
             <a:xfrm>
-              <a:off x="2309584" y="3110639"/>
+              <a:off x="2307841" y="3113808"/>
               <a:ext cx="37871" cy="62373"/>
             </a:xfrm>
             <a:custGeom>
@@ -13046,7 +13046,7 @@
           </p:nvSpPr>
           <p:spPr>
             <a:xfrm>
-              <a:off x="2373049" y="3168101"/>
+              <a:off x="2371306" y="3171270"/>
               <a:ext cx="13860" cy="15225"/>
             </a:xfrm>
             <a:custGeom>
@@ -13557,7 +13557,7 @@
           </p:nvSpPr>
           <p:spPr>
             <a:xfrm>
-              <a:off x="2432313" y="3090502"/>
+              <a:off x="2430569" y="3093671"/>
               <a:ext cx="95170" cy="30559"/>
             </a:xfrm>
             <a:custGeom>
@@ -13678,7 +13678,7 @@
           </p:nvSpPr>
           <p:spPr>
             <a:xfrm>
-              <a:off x="2431003" y="3114077"/>
+              <a:off x="2429259" y="3117246"/>
               <a:ext cx="97353" cy="78144"/>
             </a:xfrm>
             <a:custGeom>
@@ -13791,7 +13791,7 @@
                     <a:pt x="64724" y="51981"/>
                   </a:lnTo>
                   <a:lnTo>
-                    <a:pt x="62864" y="54133"/>
+                    <a:pt x="62865" y="54133"/>
                   </a:lnTo>
                   <a:lnTo>
                     <a:pt x="66169" y="55622"/>
@@ -13979,7 +13979,7 @@
           </p:nvSpPr>
           <p:spPr>
             <a:xfrm>
-              <a:off x="2458506" y="3141580"/>
+              <a:off x="2456763" y="3144749"/>
               <a:ext cx="38854" cy="23137"/>
             </a:xfrm>
             <a:custGeom>
@@ -14103,7 +14103,7 @@
           </p:nvSpPr>
           <p:spPr>
             <a:xfrm>
-              <a:off x="2540580" y="3090502"/>
+              <a:off x="2538837" y="3093671"/>
               <a:ext cx="102592" cy="96916"/>
             </a:xfrm>
             <a:custGeom>
@@ -14323,7 +14323,7 @@
           </p:nvSpPr>
           <p:spPr>
             <a:xfrm>
-              <a:off x="2563281" y="3102726"/>
+              <a:off x="2561538" y="3105895"/>
               <a:ext cx="56753" cy="24884"/>
             </a:xfrm>
             <a:custGeom>
@@ -14417,7 +14417,7 @@
           </p:nvSpPr>
           <p:spPr>
             <a:xfrm>
-              <a:off x="2667620" y="3091375"/>
+              <a:off x="2665876" y="3094544"/>
               <a:ext cx="20081" cy="100409"/>
             </a:xfrm>
             <a:custGeom>
@@ -14526,7 +14526,7 @@
           </p:nvSpPr>
           <p:spPr>
             <a:xfrm>
-              <a:off x="2652340" y="3113204"/>
+              <a:off x="2650597" y="3116373"/>
               <a:ext cx="11350" cy="32742"/>
             </a:xfrm>
             <a:custGeom>
@@ -14623,7 +14623,7 @@
           </p:nvSpPr>
           <p:spPr>
             <a:xfrm>
-              <a:off x="2684209" y="3091812"/>
+              <a:off x="2682466" y="3094981"/>
               <a:ext cx="69850" cy="96043"/>
             </a:xfrm>
             <a:custGeom>
@@ -14634,7 +14634,7 @@
                     <a:pt x="13096" y="5675"/>
                   </a:moveTo>
                   <a:lnTo>
-                    <a:pt x="20954" y="8294"/>
+                    <a:pt x="20955" y="8294"/>
                   </a:lnTo>
                   <a:lnTo>
                     <a:pt x="20684" y="9940"/>
@@ -14819,7 +14819,7 @@
           </p:nvSpPr>
           <p:spPr>
             <a:xfrm>
-              <a:off x="2765410" y="3090502"/>
+              <a:off x="2763666" y="3093671"/>
               <a:ext cx="99536" cy="15716"/>
             </a:xfrm>
             <a:custGeom>
@@ -14901,7 +14901,7 @@
           </p:nvSpPr>
           <p:spPr>
             <a:xfrm>
-              <a:off x="2780690" y="3112767"/>
+              <a:off x="2778946" y="3115936"/>
               <a:ext cx="68103" cy="22701"/>
             </a:xfrm>
             <a:custGeom>
@@ -14944,7 +14944,7 @@
           </p:nvSpPr>
           <p:spPr>
             <a:xfrm>
-              <a:off x="2789421" y="3120189"/>
+              <a:off x="2787677" y="3123358"/>
               <a:ext cx="50641" cy="7858"/>
             </a:xfrm>
             <a:custGeom>
@@ -14987,7 +14987,7 @@
           </p:nvSpPr>
           <p:spPr>
             <a:xfrm>
-              <a:off x="2768902" y="3141580"/>
+              <a:off x="2767159" y="3144749"/>
               <a:ext cx="92114" cy="50641"/>
             </a:xfrm>
             <a:custGeom>
@@ -15192,21 +15192,21 @@
           </p:nvSpPr>
           <p:spPr>
             <a:xfrm>
-              <a:off x="2790294" y="3155550"/>
-              <a:ext cx="48895" cy="23574"/>
+              <a:off x="2788550" y="3158719"/>
+              <a:ext cx="48894" cy="23574"/>
             </a:xfrm>
             <a:custGeom>
               <a:avLst/>
               <a:pathLst>
-                <a:path w="48895" h="23574">
+                <a:path w="48894" h="23574">
                   <a:moveTo>
                     <a:pt x="0" y="0"/>
                   </a:moveTo>
                   <a:lnTo>
-                    <a:pt x="48895" y="0"/>
-                  </a:lnTo>
-                  <a:lnTo>
-                    <a:pt x="48895" y="23574"/>
+                    <a:pt x="48894" y="0"/>
+                  </a:lnTo>
+                  <a:lnTo>
+                    <a:pt x="48894" y="23574"/>
                   </a:lnTo>
                   <a:lnTo>
                     <a:pt x="0" y="23574"/>
@@ -15235,7 +15235,7 @@
           </p:nvSpPr>
           <p:spPr>
             <a:xfrm>
-              <a:off x="2798589" y="3162535"/>
+              <a:off x="2796845" y="3165704"/>
               <a:ext cx="32305" cy="9167"/>
             </a:xfrm>
             <a:custGeom>
@@ -15278,7 +15278,7 @@
           </p:nvSpPr>
           <p:spPr>
             <a:xfrm>
-              <a:off x="2917770" y="3091812"/>
+              <a:off x="2916027" y="3094981"/>
               <a:ext cx="56316" cy="99972"/>
             </a:xfrm>
             <a:custGeom>
@@ -15289,7 +15289,7 @@
                     <a:pt x="19208" y="0"/>
                   </a:moveTo>
                   <a:lnTo>
-                    <a:pt x="27939" y="1746"/>
+                    <a:pt x="27940" y="1746"/>
                   </a:lnTo>
                   <a:lnTo>
                     <a:pt x="27490" y="3400"/>
@@ -15594,7 +15594,7 @@
           </p:nvSpPr>
           <p:spPr>
             <a:xfrm>
-              <a:off x="2932177" y="3135032"/>
+              <a:off x="2930433" y="3138201"/>
               <a:ext cx="19208" cy="25320"/>
             </a:xfrm>
             <a:custGeom>
@@ -15691,7 +15691,7 @@
           </p:nvSpPr>
           <p:spPr>
             <a:xfrm>
-              <a:off x="2880226" y="3091375"/>
+              <a:off x="2878482" y="3094544"/>
               <a:ext cx="35798" cy="96480"/>
             </a:xfrm>
             <a:custGeom>
@@ -15812,7 +15812,7 @@
           </p:nvSpPr>
           <p:spPr>
             <a:xfrm>
-              <a:off x="2888084" y="3114077"/>
+              <a:off x="2886340" y="3117246"/>
               <a:ext cx="20081" cy="25320"/>
             </a:xfrm>
             <a:custGeom>
@@ -15855,7 +15855,7 @@
           </p:nvSpPr>
           <p:spPr>
             <a:xfrm>
-              <a:off x="2888084" y="3147692"/>
+              <a:off x="2886340" y="3150861"/>
               <a:ext cx="20081" cy="25320"/>
             </a:xfrm>
             <a:custGeom>
@@ -15898,7 +15898,7 @@
           </p:nvSpPr>
           <p:spPr>
             <a:xfrm>
-              <a:off x="2985437" y="3091375"/>
+              <a:off x="2983694" y="3094544"/>
               <a:ext cx="45839" cy="100409"/>
             </a:xfrm>
             <a:custGeom>
@@ -16094,7 +16094,7 @@
           </p:nvSpPr>
           <p:spPr>
             <a:xfrm>
-              <a:off x="3033896" y="3096614"/>
+              <a:off x="3032152" y="3099783"/>
               <a:ext cx="50641" cy="95170"/>
             </a:xfrm>
             <a:custGeom>
@@ -16149,7 +16149,7 @@
           </p:nvSpPr>
           <p:spPr>
             <a:xfrm>
-              <a:off x="3042190" y="3104472"/>
+              <a:off x="3040447" y="3107641"/>
               <a:ext cx="34051" cy="17899"/>
             </a:xfrm>
             <a:custGeom>
@@ -16192,7 +16192,7 @@
           </p:nvSpPr>
           <p:spPr>
             <a:xfrm>
-              <a:off x="3042190" y="3130230"/>
+              <a:off x="3040447" y="3133398"/>
               <a:ext cx="34051" cy="17899"/>
             </a:xfrm>
             <a:custGeom>
@@ -16235,7 +16235,7 @@
           </p:nvSpPr>
           <p:spPr>
             <a:xfrm>
-              <a:off x="3042190" y="3155987"/>
+              <a:off x="3040447" y="3159156"/>
               <a:ext cx="34051" cy="18335"/>
             </a:xfrm>
             <a:custGeom>
@@ -16278,7 +16278,7 @@
           </p:nvSpPr>
           <p:spPr>
             <a:xfrm>
-              <a:off x="3101126" y="3090939"/>
+              <a:off x="3099383" y="3094108"/>
               <a:ext cx="99972" cy="101282"/>
             </a:xfrm>
             <a:custGeom>
@@ -16466,10 +16466,10 @@
                     <a:pt x="68103" y="22264"/>
                   </a:lnTo>
                   <a:lnTo>
-                    <a:pt x="90804" y="22264"/>
-                  </a:lnTo>
-                  <a:lnTo>
-                    <a:pt x="90804" y="30559"/>
+                    <a:pt x="90805" y="22264"/>
+                  </a:lnTo>
+                  <a:lnTo>
+                    <a:pt x="90805" y="30559"/>
                   </a:lnTo>
                   <a:lnTo>
                     <a:pt x="52387" y="30559"/>
@@ -16597,7 +16597,7 @@
           </p:nvSpPr>
           <p:spPr>
             <a:xfrm>
-              <a:off x="3122081" y="3091812"/>
+              <a:off x="3120338" y="3094981"/>
               <a:ext cx="16589" cy="19645"/>
             </a:xfrm>
             <a:custGeom>
@@ -16605,7 +16605,7 @@
               <a:pathLst>
                 <a:path w="16589" h="19645">
                   <a:moveTo>
-                    <a:pt x="6984" y="0"/>
+                    <a:pt x="6985" y="0"/>
                   </a:moveTo>
                   <a:lnTo>
                     <a:pt x="8181" y="1488"/>
@@ -16694,7 +16694,7 @@
           </p:nvSpPr>
           <p:spPr>
             <a:xfrm>
-              <a:off x="3219871" y="3091375"/>
+              <a:off x="3218128" y="3094544"/>
               <a:ext cx="17899" cy="22264"/>
             </a:xfrm>
             <a:custGeom>
@@ -16791,7 +16791,7 @@
           </p:nvSpPr>
           <p:spPr>
             <a:xfrm>
-              <a:off x="3212013" y="3123681"/>
+              <a:off x="3210270" y="3126850"/>
               <a:ext cx="33178" cy="62428"/>
             </a:xfrm>
             <a:custGeom>
@@ -16903,7 +16903,7 @@
           </p:nvSpPr>
           <p:spPr>
             <a:xfrm>
-              <a:off x="3241700" y="3097051"/>
+              <a:off x="3239956" y="3100220"/>
               <a:ext cx="71159" cy="90804"/>
             </a:xfrm>
             <a:custGeom>
@@ -16994,7 +16994,7 @@
           </p:nvSpPr>
           <p:spPr>
             <a:xfrm>
-              <a:off x="3323337" y="3091375"/>
+              <a:off x="3321593" y="3094544"/>
               <a:ext cx="34925" cy="100409"/>
             </a:xfrm>
             <a:custGeom>
@@ -17083,7 +17083,7 @@
                     <a:pt x="22592" y="94079"/>
                   </a:lnTo>
                   <a:lnTo>
-                    <a:pt x="22352" y="94996"/>
+                    <a:pt x="22351" y="94996"/>
                   </a:lnTo>
                   <a:lnTo>
                     <a:pt x="22068" y="95825"/>
@@ -17292,7 +17292,7 @@
           </p:nvSpPr>
           <p:spPr>
             <a:xfrm>
-              <a:off x="3353460" y="3095741"/>
+              <a:off x="3351716" y="3098910"/>
               <a:ext cx="69850" cy="96043"/>
             </a:xfrm>
             <a:custGeom>
@@ -17348,7 +17348,7 @@
                     <a:pt x="4452" y="76171"/>
                   </a:lnTo>
                   <a:lnTo>
-                    <a:pt x="5588" y="71299"/>
+                    <a:pt x="5587" y="71299"/>
                   </a:lnTo>
                   <a:lnTo>
                     <a:pt x="6548" y="66357"/>
@@ -17446,7 +17446,7 @@
           </p:nvSpPr>
           <p:spPr>
             <a:xfrm>
-              <a:off x="3370485" y="3103599"/>
+              <a:off x="3368742" y="3106768"/>
               <a:ext cx="40600" cy="10914"/>
             </a:xfrm>
             <a:custGeom>
@@ -17489,7 +17489,7 @@
           </p:nvSpPr>
           <p:spPr>
             <a:xfrm>
-              <a:off x="3370485" y="3122371"/>
+              <a:off x="3368742" y="3125540"/>
               <a:ext cx="21391" cy="12223"/>
             </a:xfrm>
             <a:custGeom>
@@ -17532,7 +17532,7 @@
           </p:nvSpPr>
           <p:spPr>
             <a:xfrm>
-              <a:off x="3381836" y="3162972"/>
+              <a:off x="3380093" y="3166141"/>
               <a:ext cx="28813" cy="14406"/>
             </a:xfrm>
             <a:custGeom>
@@ -17575,7 +17575,7 @@
           </p:nvSpPr>
           <p:spPr>
             <a:xfrm>
-              <a:off x="2192694" y="2673456"/>
+              <a:off x="2190951" y="2675745"/>
               <a:ext cx="57353" cy="82019"/>
             </a:xfrm>
             <a:custGeom>
@@ -18392,7 +18392,7 @@
           </p:nvSpPr>
           <p:spPr>
             <a:xfrm>
-              <a:off x="2261289" y="2740741"/>
+              <a:off x="2259546" y="2743030"/>
               <a:ext cx="13860" cy="15225"/>
             </a:xfrm>
             <a:custGeom>
@@ -18903,7 +18903,7 @@
           </p:nvSpPr>
           <p:spPr>
             <a:xfrm>
-              <a:off x="2320116" y="2663142"/>
+              <a:off x="2318373" y="2665431"/>
               <a:ext cx="96480" cy="102592"/>
             </a:xfrm>
             <a:custGeom>
@@ -19018,7 +19018,7 @@
           </p:nvSpPr>
           <p:spPr>
             <a:xfrm>
-              <a:off x="2432313" y="2663142"/>
+              <a:off x="2430569" y="2665431"/>
               <a:ext cx="95170" cy="30559"/>
             </a:xfrm>
             <a:custGeom>
@@ -19139,7 +19139,7 @@
           </p:nvSpPr>
           <p:spPr>
             <a:xfrm>
-              <a:off x="2444973" y="2687153"/>
+              <a:off x="2443229" y="2689442"/>
               <a:ext cx="69413" cy="7421"/>
             </a:xfrm>
             <a:custGeom>
@@ -19182,7 +19182,7 @@
           </p:nvSpPr>
           <p:spPr>
             <a:xfrm>
-              <a:off x="2447156" y="2699813"/>
+              <a:off x="2445412" y="2702102"/>
               <a:ext cx="65047" cy="19645"/>
             </a:xfrm>
             <a:custGeom>
@@ -19225,7 +19225,7 @@
           </p:nvSpPr>
           <p:spPr>
             <a:xfrm>
-              <a:off x="2456324" y="2706362"/>
+              <a:off x="2454580" y="2708651"/>
               <a:ext cx="47148" cy="6548"/>
             </a:xfrm>
             <a:custGeom>
@@ -19268,7 +19268,7 @@
           </p:nvSpPr>
           <p:spPr>
             <a:xfrm>
-              <a:off x="2437988" y="2725134"/>
+              <a:off x="2436244" y="2727423"/>
               <a:ext cx="83819" cy="39290"/>
             </a:xfrm>
             <a:custGeom>
@@ -19323,7 +19323,7 @@
           </p:nvSpPr>
           <p:spPr>
             <a:xfrm>
-              <a:off x="2446719" y="2732556"/>
+              <a:off x="2444976" y="2734844"/>
               <a:ext cx="29249" cy="6548"/>
             </a:xfrm>
             <a:custGeom>
@@ -19366,7 +19366,7 @@
           </p:nvSpPr>
           <p:spPr>
             <a:xfrm>
-              <a:off x="2483827" y="2732556"/>
+              <a:off x="2482084" y="2734844"/>
               <a:ext cx="29249" cy="6548"/>
             </a:xfrm>
             <a:custGeom>
@@ -19409,7 +19409,7 @@
           </p:nvSpPr>
           <p:spPr>
             <a:xfrm>
-              <a:off x="2446719" y="2746526"/>
+              <a:off x="2444976" y="2748814"/>
               <a:ext cx="29249" cy="6548"/>
             </a:xfrm>
             <a:custGeom>
@@ -19452,7 +19452,7 @@
           </p:nvSpPr>
           <p:spPr>
             <a:xfrm>
-              <a:off x="2483827" y="2746526"/>
+              <a:off x="2482084" y="2748814"/>
               <a:ext cx="29249" cy="6548"/>
             </a:xfrm>
             <a:custGeom>
@@ -19495,7 +19495,7 @@
           </p:nvSpPr>
           <p:spPr>
             <a:xfrm>
-              <a:off x="2582490" y="2664452"/>
+              <a:off x="2580747" y="2666741"/>
               <a:ext cx="56316" cy="99972"/>
             </a:xfrm>
             <a:custGeom>
@@ -19506,7 +19506,7 @@
                     <a:pt x="19208" y="0"/>
                   </a:moveTo>
                   <a:lnTo>
-                    <a:pt x="27940" y="1746"/>
+                    <a:pt x="27939" y="1746"/>
                   </a:lnTo>
                   <a:lnTo>
                     <a:pt x="27490" y="3400"/>
@@ -19811,7 +19811,7 @@
           </p:nvSpPr>
           <p:spPr>
             <a:xfrm>
-              <a:off x="2596897" y="2707672"/>
+              <a:off x="2595153" y="2709960"/>
               <a:ext cx="19208" cy="25320"/>
             </a:xfrm>
             <a:custGeom>
@@ -19843,7 +19843,7 @@
                     <a:pt x="16392" y="14515"/>
                   </a:lnTo>
                   <a:lnTo>
-                    <a:pt x="17375" y="16764"/>
+                    <a:pt x="17375" y="16763"/>
                   </a:lnTo>
                   <a:lnTo>
                     <a:pt x="18313" y="19055"/>
@@ -19908,7 +19908,7 @@
           </p:nvSpPr>
           <p:spPr>
             <a:xfrm>
-              <a:off x="2544946" y="2664015"/>
+              <a:off x="2543202" y="2666304"/>
               <a:ext cx="35798" cy="96480"/>
             </a:xfrm>
             <a:custGeom>
@@ -19922,10 +19922,10 @@
                     <a:pt x="35798" y="93424"/>
                   </a:lnTo>
                   <a:lnTo>
-                    <a:pt x="27939" y="93424"/>
-                  </a:lnTo>
-                  <a:lnTo>
-                    <a:pt x="27939" y="89931"/>
+                    <a:pt x="27940" y="93424"/>
+                  </a:lnTo>
+                  <a:lnTo>
+                    <a:pt x="27940" y="89931"/>
                   </a:lnTo>
                   <a:lnTo>
                     <a:pt x="7858" y="89931"/>
@@ -20029,7 +20029,7 @@
           </p:nvSpPr>
           <p:spPr>
             <a:xfrm>
-              <a:off x="2552804" y="2686717"/>
+              <a:off x="2551060" y="2689005"/>
               <a:ext cx="20081" cy="25320"/>
             </a:xfrm>
             <a:custGeom>
@@ -20072,7 +20072,7 @@
           </p:nvSpPr>
           <p:spPr>
             <a:xfrm>
-              <a:off x="2552804" y="2720332"/>
+              <a:off x="2551060" y="2722621"/>
               <a:ext cx="20081" cy="25320"/>
             </a:xfrm>
             <a:custGeom>
@@ -20115,7 +20115,7 @@
           </p:nvSpPr>
           <p:spPr>
             <a:xfrm>
-              <a:off x="2654086" y="2664015"/>
+              <a:off x="2652343" y="2666304"/>
               <a:ext cx="98663" cy="22701"/>
             </a:xfrm>
             <a:custGeom>
@@ -20206,7 +20206,7 @@
           </p:nvSpPr>
           <p:spPr>
             <a:xfrm>
-              <a:off x="2660635" y="2689773"/>
+              <a:off x="2658891" y="2692061"/>
               <a:ext cx="85566" cy="74652"/>
             </a:xfrm>
             <a:custGeom>
@@ -20261,7 +20261,7 @@
           </p:nvSpPr>
           <p:spPr>
             <a:xfrm>
-              <a:off x="2669366" y="2697631"/>
+              <a:off x="2667623" y="2699919"/>
               <a:ext cx="68103" cy="54570"/>
             </a:xfrm>
             <a:custGeom>
@@ -20304,7 +20304,7 @@
           </p:nvSpPr>
           <p:spPr>
             <a:xfrm>
-              <a:off x="2673732" y="2701123"/>
+              <a:off x="2671988" y="2703412"/>
               <a:ext cx="58935" cy="48458"/>
             </a:xfrm>
             <a:custGeom>
@@ -20473,7 +20473,7 @@
           </p:nvSpPr>
           <p:spPr>
             <a:xfrm>
-              <a:off x="2712149" y="2729063"/>
+              <a:off x="2710406" y="2731352"/>
               <a:ext cx="18335" cy="17899"/>
             </a:xfrm>
             <a:custGeom>
@@ -20570,7 +20570,7 @@
           </p:nvSpPr>
           <p:spPr>
             <a:xfrm>
-              <a:off x="2763664" y="2664015"/>
+              <a:off x="2761920" y="2666304"/>
               <a:ext cx="35798" cy="100409"/>
             </a:xfrm>
             <a:custGeom>
@@ -20766,7 +20766,7 @@
           </p:nvSpPr>
           <p:spPr>
             <a:xfrm>
-              <a:off x="2793786" y="2664015"/>
+              <a:off x="2792043" y="2666304"/>
               <a:ext cx="72905" cy="100409"/>
             </a:xfrm>
             <a:custGeom>
@@ -21076,7 +21076,7 @@
           </p:nvSpPr>
           <p:spPr>
             <a:xfrm>
-              <a:off x="2875424" y="2664015"/>
+              <a:off x="2873680" y="2666304"/>
               <a:ext cx="103028" cy="82946"/>
             </a:xfrm>
             <a:custGeom>
@@ -21299,7 +21299,7 @@
           </p:nvSpPr>
           <p:spPr>
             <a:xfrm>
-              <a:off x="2905983" y="2679295"/>
+              <a:off x="2904239" y="2681584"/>
               <a:ext cx="41473" cy="6548"/>
             </a:xfrm>
             <a:custGeom>
@@ -21342,7 +21342,7 @@
           </p:nvSpPr>
           <p:spPr>
             <a:xfrm>
-              <a:off x="2905983" y="2693265"/>
+              <a:off x="2904239" y="2695554"/>
               <a:ext cx="41473" cy="7421"/>
             </a:xfrm>
             <a:custGeom>
@@ -21385,7 +21385,7 @@
           </p:nvSpPr>
           <p:spPr>
             <a:xfrm>
-              <a:off x="2905983" y="2708108"/>
+              <a:off x="2904239" y="2710397"/>
               <a:ext cx="41473" cy="7858"/>
             </a:xfrm>
             <a:custGeom>
@@ -21428,7 +21428,7 @@
           </p:nvSpPr>
           <p:spPr>
             <a:xfrm>
-              <a:off x="2885465" y="2726880"/>
+              <a:off x="2883721" y="2729169"/>
               <a:ext cx="83819" cy="34488"/>
             </a:xfrm>
             <a:custGeom>
@@ -21507,7 +21507,7 @@
           </p:nvSpPr>
           <p:spPr>
             <a:xfrm>
-              <a:off x="2987184" y="2671000"/>
+              <a:off x="2985440" y="2673289"/>
               <a:ext cx="42783" cy="89931"/>
             </a:xfrm>
             <a:custGeom>
@@ -21670,7 +21670,7 @@
           </p:nvSpPr>
           <p:spPr>
             <a:xfrm>
-              <a:off x="3007265" y="2713347"/>
+              <a:off x="3005522" y="2715636"/>
               <a:ext cx="10040" cy="29686"/>
             </a:xfrm>
             <a:custGeom>
@@ -21713,7 +21713,7 @@
           </p:nvSpPr>
           <p:spPr>
             <a:xfrm>
-              <a:off x="3034332" y="2664015"/>
+              <a:off x="3032589" y="2666304"/>
               <a:ext cx="51077" cy="100409"/>
             </a:xfrm>
             <a:custGeom>
@@ -21828,7 +21828,7 @@
           </p:nvSpPr>
           <p:spPr>
             <a:xfrm>
-              <a:off x="3114660" y="2664015"/>
+              <a:off x="3112916" y="2666304"/>
               <a:ext cx="20081" cy="100409"/>
             </a:xfrm>
             <a:custGeom>
@@ -21937,7 +21937,7 @@
           </p:nvSpPr>
           <p:spPr>
             <a:xfrm>
-              <a:off x="3099380" y="2685843"/>
+              <a:off x="3097637" y="2688132"/>
               <a:ext cx="11350" cy="32742"/>
             </a:xfrm>
             <a:custGeom>
@@ -22034,7 +22034,7 @@
           </p:nvSpPr>
           <p:spPr>
             <a:xfrm>
-              <a:off x="3131249" y="2664452"/>
+              <a:off x="3129506" y="2666741"/>
               <a:ext cx="69850" cy="96043"/>
             </a:xfrm>
             <a:custGeom>
@@ -22230,7 +22230,7 @@
           </p:nvSpPr>
           <p:spPr>
             <a:xfrm>
-              <a:off x="3210704" y="2671000"/>
+              <a:off x="3208960" y="2673289"/>
               <a:ext cx="42783" cy="89931"/>
             </a:xfrm>
             <a:custGeom>
@@ -22393,7 +22393,7 @@
           </p:nvSpPr>
           <p:spPr>
             <a:xfrm>
-              <a:off x="3230785" y="2713347"/>
+              <a:off x="3229042" y="2715636"/>
               <a:ext cx="10040" cy="29686"/>
             </a:xfrm>
             <a:custGeom>
@@ -22436,7 +22436,7 @@
           </p:nvSpPr>
           <p:spPr>
             <a:xfrm>
-              <a:off x="3249121" y="2668381"/>
+              <a:off x="3247378" y="2670670"/>
               <a:ext cx="63738" cy="96043"/>
             </a:xfrm>
             <a:custGeom>
@@ -22489,7 +22489,7 @@
                     <a:pt x="23770" y="65667"/>
                   </a:lnTo>
                   <a:lnTo>
-                    <a:pt x="22352" y="70583"/>
+                    <a:pt x="22351" y="70583"/>
                   </a:lnTo>
                   <a:lnTo>
                     <a:pt x="20627" y="75307"/>
@@ -22581,7 +22581,7 @@
           </p:nvSpPr>
           <p:spPr>
             <a:xfrm>
-              <a:off x="3275751" y="2676676"/>
+              <a:off x="3274008" y="2678964"/>
               <a:ext cx="14406" cy="33178"/>
             </a:xfrm>
             <a:custGeom>
@@ -22624,7 +22624,7 @@
           </p:nvSpPr>
           <p:spPr>
             <a:xfrm>
-              <a:off x="3326393" y="2662706"/>
+              <a:off x="3324649" y="2664994"/>
               <a:ext cx="95607" cy="29686"/>
             </a:xfrm>
             <a:custGeom>
@@ -22745,7 +22745,7 @@
           </p:nvSpPr>
           <p:spPr>
             <a:xfrm>
-              <a:off x="3382709" y="2684097"/>
+              <a:off x="3380966" y="2686386"/>
               <a:ext cx="36234" cy="24447"/>
             </a:xfrm>
             <a:custGeom>
@@ -22842,7 +22842,7 @@
           </p:nvSpPr>
           <p:spPr>
             <a:xfrm>
-              <a:off x="3329885" y="2684097"/>
+              <a:off x="3328142" y="2686386"/>
               <a:ext cx="38417" cy="22264"/>
             </a:xfrm>
             <a:custGeom>
@@ -22939,7 +22939,7 @@
           </p:nvSpPr>
           <p:spPr>
             <a:xfrm>
-              <a:off x="3325083" y="2700250"/>
+              <a:off x="3323339" y="2702539"/>
               <a:ext cx="100409" cy="64611"/>
             </a:xfrm>
             <a:custGeom>
@@ -23390,7 +23390,7 @@
           </p:nvSpPr>
           <p:spPr>
             <a:xfrm>
-              <a:off x="2194714" y="2186891"/>
+              <a:off x="2192970" y="2188300"/>
               <a:ext cx="52387" cy="79781"/>
             </a:xfrm>
             <a:custGeom>
@@ -23913,7 +23913,7 @@
           </p:nvSpPr>
           <p:spPr>
             <a:xfrm>
-              <a:off x="2204864" y="2195568"/>
+              <a:off x="2203120" y="2196977"/>
               <a:ext cx="29631" cy="25156"/>
             </a:xfrm>
             <a:custGeom>
@@ -24133,7 +24133,7 @@
           </p:nvSpPr>
           <p:spPr>
             <a:xfrm>
-              <a:off x="2204864" y="2229238"/>
+              <a:off x="2203120" y="2230646"/>
               <a:ext cx="31541" cy="28813"/>
             </a:xfrm>
             <a:custGeom>
@@ -24413,7 +24413,7 @@
           </p:nvSpPr>
           <p:spPr>
             <a:xfrm>
-              <a:off x="2261289" y="2253031"/>
+              <a:off x="2259546" y="2254439"/>
               <a:ext cx="13860" cy="15225"/>
             </a:xfrm>
             <a:custGeom>
@@ -24924,7 +24924,7 @@
           </p:nvSpPr>
           <p:spPr>
             <a:xfrm>
-              <a:off x="2316187" y="2176305"/>
+              <a:off x="2314444" y="2177713"/>
               <a:ext cx="38417" cy="100409"/>
             </a:xfrm>
             <a:custGeom>
@@ -25216,7 +25216,7 @@
           </p:nvSpPr>
           <p:spPr>
             <a:xfrm>
-              <a:off x="2357224" y="2175868"/>
+              <a:off x="2355480" y="2177277"/>
               <a:ext cx="60682" cy="42346"/>
             </a:xfrm>
             <a:custGeom>
@@ -25242,10 +25242,10 @@
                     <a:pt x="57189" y="13096"/>
                   </a:lnTo>
                   <a:lnTo>
-                    <a:pt x="57189" y="20954"/>
-                  </a:lnTo>
-                  <a:lnTo>
-                    <a:pt x="35361" y="20954"/>
+                    <a:pt x="57189" y="20955"/>
+                  </a:lnTo>
+                  <a:lnTo>
+                    <a:pt x="35361" y="20955"/>
                   </a:lnTo>
                   <a:lnTo>
                     <a:pt x="35361" y="34051"/>
@@ -25266,10 +25266,10 @@
                     <a:pt x="26630" y="34051"/>
                   </a:lnTo>
                   <a:lnTo>
-                    <a:pt x="26630" y="20954"/>
-                  </a:lnTo>
-                  <a:lnTo>
-                    <a:pt x="5238" y="20954"/>
+                    <a:pt x="26630" y="20955"/>
+                  </a:lnTo>
+                  <a:lnTo>
+                    <a:pt x="5238" y="20955"/>
                   </a:lnTo>
                   <a:close/>
                 </a:path>
@@ -25295,7 +25295,7 @@
           </p:nvSpPr>
           <p:spPr>
             <a:xfrm>
-              <a:off x="2357660" y="2221271"/>
+              <a:off x="2355917" y="2222679"/>
               <a:ext cx="60682" cy="55443"/>
             </a:xfrm>
             <a:custGeom>
@@ -25512,7 +25512,7 @@
           </p:nvSpPr>
           <p:spPr>
             <a:xfrm>
-              <a:off x="2365955" y="2243535"/>
+              <a:off x="2364212" y="2244944"/>
               <a:ext cx="15716" cy="19208"/>
             </a:xfrm>
             <a:custGeom>
@@ -25609,7 +25609,7 @@
           </p:nvSpPr>
           <p:spPr>
             <a:xfrm>
-              <a:off x="2433186" y="2175432"/>
+              <a:off x="2431442" y="2176840"/>
               <a:ext cx="93424" cy="28813"/>
             </a:xfrm>
             <a:custGeom>
@@ -25730,7 +25730,7 @@
           </p:nvSpPr>
           <p:spPr>
             <a:xfrm>
-              <a:off x="2430130" y="2207301"/>
+              <a:off x="2428386" y="2208709"/>
               <a:ext cx="100409" cy="68976"/>
             </a:xfrm>
             <a:custGeom>
@@ -26019,7 +26019,7 @@
           </p:nvSpPr>
           <p:spPr>
             <a:xfrm>
-              <a:off x="2539707" y="2175432"/>
+              <a:off x="2537964" y="2176840"/>
               <a:ext cx="100845" cy="101719"/>
             </a:xfrm>
             <a:custGeom>
@@ -26027,7 +26027,7 @@
               <a:pathLst>
                 <a:path w="100845" h="101719">
                   <a:moveTo>
-                    <a:pt x="20081" y="48894"/>
+                    <a:pt x="20081" y="48895"/>
                   </a:moveTo>
                   <a:lnTo>
                     <a:pt x="20081" y="10477"/>
@@ -26228,7 +26228,7 @@
                     <a:pt x="14974" y="52260"/>
                   </a:lnTo>
                   <a:lnTo>
-                    <a:pt x="16764" y="51147"/>
+                    <a:pt x="16763" y="51147"/>
                   </a:lnTo>
                   <a:lnTo>
                     <a:pt x="18466" y="50025"/>
@@ -26257,7 +26257,7 @@
           </p:nvSpPr>
           <p:spPr>
             <a:xfrm>
-              <a:off x="2541453" y="2195077"/>
+              <a:off x="2539710" y="2196485"/>
               <a:ext cx="14406" cy="22701"/>
             </a:xfrm>
             <a:custGeom>
@@ -26354,7 +26354,7 @@
           </p:nvSpPr>
           <p:spPr>
             <a:xfrm>
-              <a:off x="2567210" y="2197260"/>
+              <a:off x="2565467" y="2198668"/>
               <a:ext cx="75088" cy="79890"/>
             </a:xfrm>
             <a:custGeom>
@@ -26697,7 +26697,7 @@
           </p:nvSpPr>
           <p:spPr>
             <a:xfrm>
-              <a:off x="2651030" y="2174995"/>
+              <a:off x="2649287" y="2176404"/>
               <a:ext cx="102592" cy="102155"/>
             </a:xfrm>
             <a:custGeom>
@@ -26867,13 +26867,13 @@
                     <a:pt x="12376" y="52666"/>
                   </a:lnTo>
                   <a:lnTo>
-                    <a:pt x="13970" y="51444"/>
+                    <a:pt x="13969" y="51444"/>
                   </a:lnTo>
                   <a:lnTo>
                     <a:pt x="15519" y="50187"/>
                   </a:lnTo>
                   <a:lnTo>
-                    <a:pt x="17025" y="48895"/>
+                    <a:pt x="17025" y="48894"/>
                   </a:lnTo>
                   <a:lnTo>
                     <a:pt x="17025" y="9167"/>
@@ -26935,13 +26935,13 @@
           </p:nvSpPr>
           <p:spPr>
             <a:xfrm>
-              <a:off x="2652340" y="2194640"/>
-              <a:ext cx="13969" cy="21828"/>
+              <a:off x="2650597" y="2196049"/>
+              <a:ext cx="13970" cy="21828"/>
             </a:xfrm>
             <a:custGeom>
               <a:avLst/>
               <a:pathLst>
-                <a:path w="13969" h="21828">
+                <a:path w="13970" h="21828">
                   <a:moveTo>
                     <a:pt x="7858" y="0"/>
                   </a:moveTo>
@@ -26973,7 +26973,7 @@
                     <a:pt x="13594" y="17641"/>
                   </a:lnTo>
                   <a:lnTo>
-                    <a:pt x="13969" y="19645"/>
+                    <a:pt x="13970" y="19645"/>
                   </a:lnTo>
                   <a:lnTo>
                     <a:pt x="6111" y="21828"/>
@@ -27032,7 +27032,7 @@
           </p:nvSpPr>
           <p:spPr>
             <a:xfrm>
-              <a:off x="2681153" y="2202499"/>
+              <a:off x="2679410" y="2203907"/>
               <a:ext cx="70723" cy="72905"/>
             </a:xfrm>
             <a:custGeom>
@@ -27447,7 +27447,7 @@
           </p:nvSpPr>
           <p:spPr>
             <a:xfrm>
-              <a:off x="2806010" y="2176741"/>
+              <a:off x="2804267" y="2178150"/>
               <a:ext cx="56316" cy="99972"/>
             </a:xfrm>
             <a:custGeom>
@@ -27614,7 +27614,7 @@
                     <a:pt x="36959" y="90787"/>
                   </a:lnTo>
                   <a:lnTo>
-                    <a:pt x="37980" y="90805"/>
+                    <a:pt x="37980" y="90804"/>
                   </a:lnTo>
                   <a:lnTo>
                     <a:pt x="38989" y="90743"/>
@@ -27763,7 +27763,7 @@
           </p:nvSpPr>
           <p:spPr>
             <a:xfrm>
-              <a:off x="2820417" y="2219961"/>
+              <a:off x="2818673" y="2221369"/>
               <a:ext cx="19208" cy="25320"/>
             </a:xfrm>
             <a:custGeom>
@@ -27795,7 +27795,7 @@
                     <a:pt x="16392" y="14515"/>
                   </a:lnTo>
                   <a:lnTo>
-                    <a:pt x="17375" y="16764"/>
+                    <a:pt x="17375" y="16763"/>
                   </a:lnTo>
                   <a:lnTo>
                     <a:pt x="18313" y="19055"/>
@@ -27860,7 +27860,7 @@
           </p:nvSpPr>
           <p:spPr>
             <a:xfrm>
-              <a:off x="2768466" y="2176305"/>
+              <a:off x="2766722" y="2177713"/>
               <a:ext cx="35798" cy="96480"/>
             </a:xfrm>
             <a:custGeom>
@@ -27874,10 +27874,10 @@
                     <a:pt x="35798" y="93424"/>
                   </a:lnTo>
                   <a:lnTo>
-                    <a:pt x="27940" y="93424"/>
-                  </a:lnTo>
-                  <a:lnTo>
-                    <a:pt x="27940" y="89931"/>
+                    <a:pt x="27939" y="93424"/>
+                  </a:lnTo>
+                  <a:lnTo>
+                    <a:pt x="27939" y="89931"/>
                   </a:lnTo>
                   <a:lnTo>
                     <a:pt x="7858" y="89931"/>
@@ -27981,7 +27981,7 @@
           </p:nvSpPr>
           <p:spPr>
             <a:xfrm>
-              <a:off x="2776324" y="2199006"/>
+              <a:off x="2774580" y="2200414"/>
               <a:ext cx="20081" cy="25320"/>
             </a:xfrm>
             <a:custGeom>
@@ -28024,7 +28024,7 @@
           </p:nvSpPr>
           <p:spPr>
             <a:xfrm>
-              <a:off x="2776324" y="2232621"/>
+              <a:off x="2774580" y="2234030"/>
               <a:ext cx="20081" cy="25320"/>
             </a:xfrm>
             <a:custGeom>
@@ -28067,7 +28067,7 @@
           </p:nvSpPr>
           <p:spPr>
             <a:xfrm>
-              <a:off x="2877170" y="2175432"/>
+              <a:off x="2875426" y="2176840"/>
               <a:ext cx="99536" cy="15716"/>
             </a:xfrm>
             <a:custGeom>
@@ -28149,7 +28149,7 @@
           </p:nvSpPr>
           <p:spPr>
             <a:xfrm>
-              <a:off x="2892450" y="2197696"/>
+              <a:off x="2890706" y="2199105"/>
               <a:ext cx="68103" cy="22701"/>
             </a:xfrm>
             <a:custGeom>
@@ -28192,7 +28192,7 @@
           </p:nvSpPr>
           <p:spPr>
             <a:xfrm>
-              <a:off x="2901181" y="2205118"/>
+              <a:off x="2899437" y="2206526"/>
               <a:ext cx="50641" cy="7858"/>
             </a:xfrm>
             <a:custGeom>
@@ -28235,7 +28235,7 @@
           </p:nvSpPr>
           <p:spPr>
             <a:xfrm>
-              <a:off x="2880662" y="2226509"/>
+              <a:off x="2878919" y="2227918"/>
               <a:ext cx="92114" cy="50641"/>
             </a:xfrm>
             <a:custGeom>
@@ -28440,7 +28440,7 @@
           </p:nvSpPr>
           <p:spPr>
             <a:xfrm>
-              <a:off x="2902054" y="2240479"/>
+              <a:off x="2900310" y="2241888"/>
               <a:ext cx="48894" cy="23574"/>
             </a:xfrm>
             <a:custGeom>
@@ -28483,7 +28483,7 @@
           </p:nvSpPr>
           <p:spPr>
             <a:xfrm>
-              <a:off x="2910349" y="2247464"/>
+              <a:off x="2908605" y="2248873"/>
               <a:ext cx="32305" cy="9167"/>
             </a:xfrm>
             <a:custGeom>
@@ -28526,7 +28526,7 @@
           </p:nvSpPr>
           <p:spPr>
             <a:xfrm>
-              <a:off x="2988493" y="2177178"/>
+              <a:off x="2986750" y="2178586"/>
               <a:ext cx="96916" cy="99972"/>
             </a:xfrm>
             <a:custGeom>
@@ -28567,7 +28567,7 @@
                     <a:pt x="27568" y="13751"/>
                   </a:lnTo>
                   <a:lnTo>
-                    <a:pt x="18772" y="13970"/>
+                    <a:pt x="18772" y="13969"/>
                   </a:lnTo>
                   <a:lnTo>
                     <a:pt x="18772" y="44092"/>
@@ -28719,7 +28719,7 @@
           </p:nvSpPr>
           <p:spPr>
             <a:xfrm>
-              <a:off x="3006392" y="2190711"/>
+              <a:off x="3004649" y="2192120"/>
               <a:ext cx="81637" cy="65047"/>
             </a:xfrm>
             <a:custGeom>
@@ -28733,10 +28733,10 @@
                     <a:pt x="71596" y="64174"/>
                   </a:lnTo>
                   <a:lnTo>
-                    <a:pt x="62865" y="64174"/>
-                  </a:lnTo>
-                  <a:lnTo>
-                    <a:pt x="62865" y="35361"/>
+                    <a:pt x="62864" y="64174"/>
+                  </a:lnTo>
+                  <a:lnTo>
+                    <a:pt x="62864" y="35361"/>
                   </a:lnTo>
                   <a:lnTo>
                     <a:pt x="20518" y="35361"/>
@@ -28864,7 +28864,7 @@
           </p:nvSpPr>
           <p:spPr>
             <a:xfrm>
-              <a:off x="3008139" y="2233058"/>
+              <a:off x="3006395" y="2234466"/>
               <a:ext cx="44529" cy="44529"/>
             </a:xfrm>
             <a:custGeom>
@@ -28961,7 +28961,7 @@
           </p:nvSpPr>
           <p:spPr>
             <a:xfrm>
-              <a:off x="3051358" y="2254013"/>
+              <a:off x="3049615" y="2255421"/>
               <a:ext cx="34925" cy="23574"/>
             </a:xfrm>
             <a:custGeom>
@@ -29058,7 +29058,7 @@
           </p:nvSpPr>
           <p:spPr>
             <a:xfrm>
-              <a:off x="3113350" y="2178488"/>
+              <a:off x="3111607" y="2179896"/>
               <a:ext cx="73342" cy="29249"/>
             </a:xfrm>
             <a:custGeom>
@@ -29101,21 +29101,21 @@
           </p:nvSpPr>
           <p:spPr>
             <a:xfrm>
-              <a:off x="3122081" y="2185036"/>
-              <a:ext cx="55880" cy="4802"/>
+              <a:off x="3120338" y="2186444"/>
+              <a:ext cx="55879" cy="4802"/>
             </a:xfrm>
             <a:custGeom>
               <a:avLst/>
               <a:pathLst>
-                <a:path w="55880" h="4802">
+                <a:path w="55879" h="4802">
                   <a:moveTo>
                     <a:pt x="0" y="4802"/>
                   </a:moveTo>
                   <a:lnTo>
-                    <a:pt x="55880" y="4802"/>
-                  </a:lnTo>
-                  <a:lnTo>
-                    <a:pt x="55880" y="0"/>
+                    <a:pt x="55879" y="4802"/>
+                  </a:lnTo>
+                  <a:lnTo>
+                    <a:pt x="55879" y="0"/>
                   </a:lnTo>
                   <a:lnTo>
                     <a:pt x="0" y="0"/>
@@ -29144,21 +29144,21 @@
           </p:nvSpPr>
           <p:spPr>
             <a:xfrm>
-              <a:off x="3122081" y="2195950"/>
-              <a:ext cx="55880" cy="4802"/>
+              <a:off x="3120338" y="2197359"/>
+              <a:ext cx="55879" cy="4802"/>
             </a:xfrm>
             <a:custGeom>
               <a:avLst/>
               <a:pathLst>
-                <a:path w="55880" h="4802">
+                <a:path w="55879" h="4802">
                   <a:moveTo>
                     <a:pt x="0" y="4802"/>
                   </a:moveTo>
                   <a:lnTo>
-                    <a:pt x="55880" y="4802"/>
-                  </a:lnTo>
-                  <a:lnTo>
-                    <a:pt x="55880" y="0"/>
+                    <a:pt x="55879" y="4802"/>
+                  </a:lnTo>
+                  <a:lnTo>
+                    <a:pt x="55879" y="0"/>
                   </a:lnTo>
                   <a:lnTo>
                     <a:pt x="0" y="0"/>
@@ -29187,7 +29187,7 @@
           </p:nvSpPr>
           <p:spPr>
             <a:xfrm>
-              <a:off x="3102000" y="2212103"/>
+              <a:off x="3100256" y="2213511"/>
               <a:ext cx="96480" cy="6548"/>
             </a:xfrm>
             <a:custGeom>
@@ -29230,7 +29230,7 @@
           </p:nvSpPr>
           <p:spPr>
             <a:xfrm>
-              <a:off x="3099817" y="2223017"/>
+              <a:off x="3098073" y="2224425"/>
               <a:ext cx="100845" cy="51514"/>
             </a:xfrm>
             <a:custGeom>
@@ -29321,7 +29321,7 @@
           </p:nvSpPr>
           <p:spPr>
             <a:xfrm>
-              <a:off x="3121645" y="2230002"/>
+              <a:off x="3119901" y="2231410"/>
               <a:ext cx="24010" cy="4802"/>
             </a:xfrm>
             <a:custGeom>
@@ -29364,7 +29364,7 @@
           </p:nvSpPr>
           <p:spPr>
             <a:xfrm>
-              <a:off x="3154824" y="2230002"/>
+              <a:off x="3153080" y="2231410"/>
               <a:ext cx="24010" cy="4802"/>
             </a:xfrm>
             <a:custGeom>
@@ -29407,7 +29407,7 @@
           </p:nvSpPr>
           <p:spPr>
             <a:xfrm>
-              <a:off x="3121645" y="2240479"/>
+              <a:off x="3119901" y="2241888"/>
               <a:ext cx="24010" cy="4365"/>
             </a:xfrm>
             <a:custGeom>
@@ -29450,7 +29450,7 @@
           </p:nvSpPr>
           <p:spPr>
             <a:xfrm>
-              <a:off x="3154824" y="2240479"/>
+              <a:off x="3153080" y="2241888"/>
               <a:ext cx="24010" cy="4365"/>
             </a:xfrm>
             <a:custGeom>
@@ -29493,7 +29493,7 @@
           </p:nvSpPr>
           <p:spPr>
             <a:xfrm>
-              <a:off x="3235151" y="2178051"/>
+              <a:off x="3233408" y="2179459"/>
               <a:ext cx="8294" cy="96916"/>
             </a:xfrm>
             <a:custGeom>
@@ -29536,7 +29536,7 @@
           </p:nvSpPr>
           <p:spPr>
             <a:xfrm>
-              <a:off x="3215942" y="2187219"/>
+              <a:off x="3214199" y="2188627"/>
               <a:ext cx="8731" cy="72032"/>
             </a:xfrm>
             <a:custGeom>
@@ -29579,7 +29579,7 @@
           </p:nvSpPr>
           <p:spPr>
             <a:xfrm>
-              <a:off x="3246502" y="2176305"/>
+              <a:off x="3244758" y="2177713"/>
               <a:ext cx="63738" cy="45839"/>
             </a:xfrm>
             <a:custGeom>
@@ -29715,7 +29715,7 @@
           </p:nvSpPr>
           <p:spPr>
             <a:xfrm>
-              <a:off x="3274878" y="2204681"/>
+              <a:off x="3273135" y="2206090"/>
               <a:ext cx="18335" cy="18772"/>
             </a:xfrm>
             <a:custGeom>
@@ -29812,7 +29812,7 @@
           </p:nvSpPr>
           <p:spPr>
             <a:xfrm>
-              <a:off x="3254360" y="2225636"/>
+              <a:off x="3252616" y="2227045"/>
               <a:ext cx="53260" cy="51514"/>
             </a:xfrm>
             <a:custGeom>
@@ -29867,7 +29867,7 @@
           </p:nvSpPr>
           <p:spPr>
             <a:xfrm>
-              <a:off x="3263091" y="2233931"/>
+              <a:off x="3261348" y="2235339"/>
               <a:ext cx="13096" cy="24447"/>
             </a:xfrm>
             <a:custGeom>
@@ -29910,7 +29910,7 @@
           </p:nvSpPr>
           <p:spPr>
             <a:xfrm>
-              <a:off x="3284919" y="2233931"/>
+              <a:off x="3283176" y="2235339"/>
               <a:ext cx="13970" cy="24447"/>
             </a:xfrm>
             <a:custGeom>
@@ -29953,7 +29953,7 @@
           </p:nvSpPr>
           <p:spPr>
             <a:xfrm>
-              <a:off x="3322464" y="2175868"/>
+              <a:off x="3320720" y="2177277"/>
               <a:ext cx="99099" cy="100845"/>
             </a:xfrm>
             <a:custGeom>
@@ -29961,7 +29961,7 @@
               <a:pathLst>
                 <a:path w="99099" h="100845">
                   <a:moveTo>
-                    <a:pt x="55880" y="0"/>
+                    <a:pt x="55879" y="0"/>
                   </a:moveTo>
                   <a:lnTo>
                     <a:pt x="56395" y="798"/>
@@ -30158,13 +30158,13 @@
           </p:nvSpPr>
           <p:spPr>
             <a:xfrm>
-              <a:off x="3342545" y="2199006"/>
-              <a:ext cx="79454" cy="76835"/>
+              <a:off x="3340802" y="2200414"/>
+              <a:ext cx="79454" cy="76834"/>
             </a:xfrm>
             <a:custGeom>
               <a:avLst/>
               <a:pathLst>
-                <a:path w="79454" h="76835">
+                <a:path w="79454" h="76834">
                   <a:moveTo>
                     <a:pt x="4802" y="17025"/>
                   </a:moveTo>
@@ -30253,10 +30253,10 @@
                     <a:pt x="43219" y="33615"/>
                   </a:lnTo>
                   <a:lnTo>
-                    <a:pt x="43219" y="76835"/>
-                  </a:lnTo>
-                  <a:lnTo>
-                    <a:pt x="34488" y="76835"/>
+                    <a:pt x="43219" y="76834"/>
+                  </a:lnTo>
+                  <a:lnTo>
+                    <a:pt x="34488" y="76834"/>
                   </a:lnTo>
                   <a:lnTo>
                     <a:pt x="34488" y="34488"/>
@@ -30351,7 +30351,7 @@
           </p:nvSpPr>
           <p:spPr>
             <a:xfrm>
-              <a:off x="3210704" y="2303991"/>
+              <a:off x="3208960" y="2305399"/>
               <a:ext cx="42783" cy="89931"/>
             </a:xfrm>
             <a:custGeom>
@@ -30514,7 +30514,7 @@
           </p:nvSpPr>
           <p:spPr>
             <a:xfrm>
-              <a:off x="3230785" y="2346337"/>
+              <a:off x="3229042" y="2347746"/>
               <a:ext cx="10040" cy="29686"/>
             </a:xfrm>
             <a:custGeom>
@@ -30557,7 +30557,7 @@
           </p:nvSpPr>
           <p:spPr>
             <a:xfrm>
-              <a:off x="3249121" y="2301371"/>
+              <a:off x="3247378" y="2302780"/>
               <a:ext cx="63738" cy="96043"/>
             </a:xfrm>
             <a:custGeom>
@@ -30610,7 +30610,7 @@
                     <a:pt x="23770" y="65667"/>
                   </a:lnTo>
                   <a:lnTo>
-                    <a:pt x="22351" y="70583"/>
+                    <a:pt x="22352" y="70583"/>
                   </a:lnTo>
                   <a:lnTo>
                     <a:pt x="20627" y="75307"/>
@@ -30702,7 +30702,7 @@
           </p:nvSpPr>
           <p:spPr>
             <a:xfrm>
-              <a:off x="3275751" y="2309666"/>
+              <a:off x="3274008" y="2311074"/>
               <a:ext cx="14406" cy="33178"/>
             </a:xfrm>
             <a:custGeom>
@@ -30745,7 +30745,7 @@
           </p:nvSpPr>
           <p:spPr>
             <a:xfrm>
-              <a:off x="3326393" y="2295696"/>
+              <a:off x="3324649" y="2297104"/>
               <a:ext cx="95607" cy="29686"/>
             </a:xfrm>
             <a:custGeom>
@@ -30866,7 +30866,7 @@
           </p:nvSpPr>
           <p:spPr>
             <a:xfrm>
-              <a:off x="3382709" y="2317087"/>
+              <a:off x="3380966" y="2318496"/>
               <a:ext cx="36234" cy="24447"/>
             </a:xfrm>
             <a:custGeom>
@@ -30886,7 +30886,7 @@
                     <a:pt x="14995" y="4688"/>
                   </a:lnTo>
                   <a:lnTo>
-                    <a:pt x="18160" y="6356"/>
+                    <a:pt x="18161" y="6356"/>
                   </a:lnTo>
                   <a:lnTo>
                     <a:pt x="21282" y="8076"/>
@@ -30963,7 +30963,7 @@
           </p:nvSpPr>
           <p:spPr>
             <a:xfrm>
-              <a:off x="3329885" y="2317087"/>
+              <a:off x="3328142" y="2318496"/>
               <a:ext cx="38417" cy="22264"/>
             </a:xfrm>
             <a:custGeom>
@@ -31060,7 +31060,7 @@
           </p:nvSpPr>
           <p:spPr>
             <a:xfrm>
-              <a:off x="3325083" y="2333240"/>
+              <a:off x="3323339" y="2334649"/>
               <a:ext cx="100409" cy="64611"/>
             </a:xfrm>
             <a:custGeom>
@@ -31404,7 +31404,7 @@
                     <a:pt x="66684" y="40709"/>
                   </a:lnTo>
                   <a:lnTo>
-                    <a:pt x="66828" y="37718"/>
+                    <a:pt x="66828" y="37719"/>
                   </a:lnTo>
                   <a:lnTo>
                     <a:pt x="66999" y="34597"/>
@@ -31511,7 +31511,7 @@
           </p:nvSpPr>
           <p:spPr>
             <a:xfrm>
-              <a:off x="2297087" y="1819554"/>
+              <a:off x="2295344" y="1820082"/>
               <a:ext cx="67940" cy="80109"/>
             </a:xfrm>
             <a:custGeom>
@@ -31566,7 +31566,7 @@
           </p:nvSpPr>
           <p:spPr>
             <a:xfrm>
-              <a:off x="2319461" y="1830468"/>
+              <a:off x="2317718" y="1830997"/>
               <a:ext cx="23246" cy="35470"/>
             </a:xfrm>
             <a:custGeom>
@@ -31846,7 +31846,7 @@
           </p:nvSpPr>
           <p:spPr>
             <a:xfrm>
-              <a:off x="2373049" y="1886021"/>
+              <a:off x="2371306" y="1886549"/>
               <a:ext cx="13860" cy="15225"/>
             </a:xfrm>
             <a:custGeom>
@@ -32357,7 +32357,7 @@
           </p:nvSpPr>
           <p:spPr>
             <a:xfrm>
-              <a:off x="2429693" y="1807985"/>
+              <a:off x="2427950" y="1808514"/>
               <a:ext cx="101282" cy="35798"/>
             </a:xfrm>
             <a:custGeom>
@@ -32434,7 +32434,7 @@
                     <a:pt x="53535" y="14681"/>
                   </a:lnTo>
                   <a:lnTo>
-                    <a:pt x="48894" y="11787"/>
+                    <a:pt x="48895" y="11787"/>
                   </a:lnTo>
                   <a:lnTo>
                     <a:pt x="44974" y="14856"/>
@@ -32520,7 +32520,7 @@
           </p:nvSpPr>
           <p:spPr>
             <a:xfrm>
-              <a:off x="2445846" y="1828940"/>
+              <a:off x="2444103" y="1829469"/>
               <a:ext cx="68540" cy="81637"/>
             </a:xfrm>
             <a:custGeom>
@@ -32671,7 +32671,7 @@
           </p:nvSpPr>
           <p:spPr>
             <a:xfrm>
-              <a:off x="2454577" y="1847713"/>
+              <a:off x="2452834" y="1848241"/>
               <a:ext cx="51077" cy="7858"/>
             </a:xfrm>
             <a:custGeom>
@@ -32714,7 +32714,7 @@
           </p:nvSpPr>
           <p:spPr>
             <a:xfrm>
-              <a:off x="2454577" y="1863429"/>
+              <a:off x="2452834" y="1863957"/>
               <a:ext cx="51077" cy="7858"/>
             </a:xfrm>
             <a:custGeom>
@@ -32757,7 +32757,7 @@
           </p:nvSpPr>
           <p:spPr>
             <a:xfrm>
-              <a:off x="2467674" y="1879145"/>
+              <a:off x="2465931" y="1879673"/>
               <a:ext cx="61555" cy="31432"/>
             </a:xfrm>
             <a:custGeom>
@@ -32947,7 +32947,7 @@
           </p:nvSpPr>
           <p:spPr>
             <a:xfrm>
-              <a:off x="2554550" y="1813661"/>
+              <a:off x="2552807" y="1814189"/>
               <a:ext cx="74215" cy="37980"/>
             </a:xfrm>
             <a:custGeom>
@@ -32990,7 +32990,7 @@
           </p:nvSpPr>
           <p:spPr>
             <a:xfrm>
-              <a:off x="2563281" y="1821955"/>
+              <a:off x="2561538" y="1822484"/>
               <a:ext cx="57189" cy="21391"/>
             </a:xfrm>
             <a:custGeom>
@@ -33033,7 +33033,7 @@
           </p:nvSpPr>
           <p:spPr>
             <a:xfrm>
-              <a:off x="2545382" y="1860373"/>
+              <a:off x="2543639" y="1860901"/>
               <a:ext cx="41473" cy="49331"/>
             </a:xfrm>
             <a:custGeom>
@@ -33088,7 +33088,7 @@
           </p:nvSpPr>
           <p:spPr>
             <a:xfrm>
-              <a:off x="2553677" y="1868231"/>
+              <a:off x="2551934" y="1868759"/>
               <a:ext cx="24884" cy="27066"/>
             </a:xfrm>
             <a:custGeom>
@@ -33131,7 +33131,7 @@
           </p:nvSpPr>
           <p:spPr>
             <a:xfrm>
-              <a:off x="2596460" y="1860373"/>
+              <a:off x="2594717" y="1860901"/>
               <a:ext cx="41036" cy="49331"/>
             </a:xfrm>
             <a:custGeom>
@@ -33186,7 +33186,7 @@
           </p:nvSpPr>
           <p:spPr>
             <a:xfrm>
-              <a:off x="2604755" y="1868231"/>
+              <a:off x="2603011" y="1868759"/>
               <a:ext cx="24447" cy="27066"/>
             </a:xfrm>
             <a:custGeom>
@@ -33229,7 +33229,7 @@
           </p:nvSpPr>
           <p:spPr>
             <a:xfrm>
-              <a:off x="2652777" y="1809295"/>
+              <a:off x="2651033" y="1809823"/>
               <a:ext cx="34925" cy="100409"/>
             </a:xfrm>
             <a:custGeom>
@@ -33527,7 +33527,7 @@
           </p:nvSpPr>
           <p:spPr>
             <a:xfrm>
-              <a:off x="2684646" y="1808859"/>
+              <a:off x="2682902" y="1809387"/>
               <a:ext cx="69413" cy="100845"/>
             </a:xfrm>
             <a:custGeom>
@@ -33568,7 +33568,7 @@
                     <a:pt x="6199" y="43625"/>
                   </a:lnTo>
                   <a:lnTo>
-                    <a:pt x="5587" y="44389"/>
+                    <a:pt x="5588" y="44389"/>
                   </a:lnTo>
                   <a:lnTo>
                     <a:pt x="4976" y="45127"/>
@@ -33774,7 +33774,7 @@
           </p:nvSpPr>
           <p:spPr>
             <a:xfrm>
-              <a:off x="2703855" y="1835489"/>
+              <a:off x="2702111" y="1836017"/>
               <a:ext cx="18772" cy="14406"/>
             </a:xfrm>
             <a:custGeom>
@@ -33817,7 +33817,7 @@
           </p:nvSpPr>
           <p:spPr>
             <a:xfrm>
-              <a:off x="2703855" y="1857317"/>
+              <a:off x="2702111" y="1857845"/>
               <a:ext cx="18772" cy="14843"/>
             </a:xfrm>
             <a:custGeom>
@@ -33860,7 +33860,7 @@
           </p:nvSpPr>
           <p:spPr>
             <a:xfrm>
-              <a:off x="2703855" y="1880018"/>
+              <a:off x="2702111" y="1880546"/>
               <a:ext cx="18772" cy="14406"/>
             </a:xfrm>
             <a:custGeom>
@@ -33903,7 +33903,7 @@
           </p:nvSpPr>
           <p:spPr>
             <a:xfrm>
-              <a:off x="2763227" y="1808859"/>
+              <a:off x="2761484" y="1809387"/>
               <a:ext cx="99536" cy="101282"/>
             </a:xfrm>
             <a:custGeom>
@@ -34108,7 +34108,7 @@
           </p:nvSpPr>
           <p:spPr>
             <a:xfrm>
-              <a:off x="2875860" y="1814534"/>
+              <a:off x="2874117" y="1815062"/>
               <a:ext cx="98226" cy="95170"/>
             </a:xfrm>
             <a:custGeom>
@@ -34256,7 +34256,7 @@
           </p:nvSpPr>
           <p:spPr>
             <a:xfrm>
-              <a:off x="2935233" y="1842037"/>
+              <a:off x="2933489" y="1842565"/>
               <a:ext cx="42783" cy="42346"/>
             </a:xfrm>
             <a:custGeom>
@@ -34353,7 +34353,7 @@
           </p:nvSpPr>
           <p:spPr>
             <a:xfrm>
-              <a:off x="2990240" y="1811041"/>
+              <a:off x="2988496" y="1811569"/>
               <a:ext cx="96916" cy="46275"/>
             </a:xfrm>
             <a:custGeom>
@@ -34444,7 +34444,7 @@
           </p:nvSpPr>
           <p:spPr>
             <a:xfrm>
-              <a:off x="3003336" y="1837672"/>
+              <a:off x="3001593" y="1838200"/>
               <a:ext cx="26630" cy="6984"/>
             </a:xfrm>
             <a:custGeom>
@@ -34487,7 +34487,7 @@
           </p:nvSpPr>
           <p:spPr>
             <a:xfrm>
-              <a:off x="3047429" y="1837672"/>
+              <a:off x="3045686" y="1838200"/>
               <a:ext cx="26630" cy="6984"/>
             </a:xfrm>
             <a:custGeom>
@@ -34530,7 +34530,7 @@
           </p:nvSpPr>
           <p:spPr>
             <a:xfrm>
-              <a:off x="3002900" y="1849895"/>
+              <a:off x="3001156" y="1850424"/>
               <a:ext cx="26630" cy="6548"/>
             </a:xfrm>
             <a:custGeom>
@@ -34573,7 +34573,7 @@
           </p:nvSpPr>
           <p:spPr>
             <a:xfrm>
-              <a:off x="3046993" y="1849895"/>
+              <a:off x="3045249" y="1850424"/>
               <a:ext cx="26630" cy="6548"/>
             </a:xfrm>
             <a:custGeom>
@@ -34616,7 +34616,7 @@
           </p:nvSpPr>
           <p:spPr>
             <a:xfrm>
-              <a:off x="2992422" y="1862119"/>
+              <a:off x="2990679" y="1862647"/>
               <a:ext cx="92551" cy="48021"/>
             </a:xfrm>
             <a:custGeom>
@@ -34899,7 +34899,7 @@
           </p:nvSpPr>
           <p:spPr>
             <a:xfrm>
-              <a:off x="3099380" y="1859500"/>
+              <a:off x="3097637" y="1860028"/>
               <a:ext cx="100845" cy="50641"/>
             </a:xfrm>
             <a:custGeom>
@@ -34913,7 +34913,7 @@
                     <a:pt x="36671" y="7421"/>
                   </a:lnTo>
                   <a:lnTo>
-                    <a:pt x="41909" y="0"/>
+                    <a:pt x="41910" y="0"/>
                   </a:lnTo>
                   <a:lnTo>
                     <a:pt x="51077" y="1746"/>
@@ -35146,7 +35146,7 @@
           </p:nvSpPr>
           <p:spPr>
             <a:xfrm>
-              <a:off x="3129940" y="1874779"/>
+              <a:off x="3128196" y="1875308"/>
               <a:ext cx="40163" cy="16152"/>
             </a:xfrm>
             <a:custGeom>
@@ -35181,7 +35181,7 @@
                     <a:pt x="37893" y="3719"/>
                   </a:lnTo>
                   <a:lnTo>
-                    <a:pt x="39115" y="1890"/>
+                    <a:pt x="39116" y="1890"/>
                   </a:lnTo>
                   <a:lnTo>
                     <a:pt x="40163" y="0"/>
@@ -35205,7 +35205,7 @@
                     <a:pt x="5238" y="6111"/>
                   </a:lnTo>
                   <a:lnTo>
-                    <a:pt x="4190" y="7229"/>
+                    <a:pt x="4191" y="7229"/>
                   </a:lnTo>
                   <a:lnTo>
                     <a:pt x="3143" y="8312"/>
@@ -35243,7 +35243,7 @@
           </p:nvSpPr>
           <p:spPr>
             <a:xfrm>
-              <a:off x="3103309" y="1812351"/>
+              <a:off x="3101566" y="1812879"/>
               <a:ext cx="94297" cy="44529"/>
             </a:xfrm>
             <a:custGeom>
@@ -35310,7 +35310,7 @@
           </p:nvSpPr>
           <p:spPr>
             <a:xfrm>
-              <a:off x="3142163" y="1820646"/>
+              <a:off x="3140420" y="1821174"/>
               <a:ext cx="17462" cy="8731"/>
             </a:xfrm>
             <a:custGeom>
@@ -35353,7 +35353,7 @@
           </p:nvSpPr>
           <p:spPr>
             <a:xfrm>
-              <a:off x="3117279" y="1836799"/>
+              <a:off x="3115536" y="1837327"/>
               <a:ext cx="17025" cy="12660"/>
             </a:xfrm>
             <a:custGeom>
@@ -35396,7 +35396,7 @@
           </p:nvSpPr>
           <p:spPr>
             <a:xfrm>
-              <a:off x="3142163" y="1836799"/>
+              <a:off x="3140420" y="1837327"/>
               <a:ext cx="17462" cy="12660"/>
             </a:xfrm>
             <a:custGeom>
@@ -35439,7 +35439,7 @@
           </p:nvSpPr>
           <p:spPr>
             <a:xfrm>
-              <a:off x="3167484" y="1836799"/>
+              <a:off x="3165740" y="1837327"/>
               <a:ext cx="16152" cy="12660"/>
             </a:xfrm>
             <a:custGeom>
@@ -35482,7 +35482,7 @@
           </p:nvSpPr>
           <p:spPr>
             <a:xfrm>
-              <a:off x="3219871" y="1809295"/>
+              <a:off x="3218128" y="1809823"/>
               <a:ext cx="17899" cy="22264"/>
             </a:xfrm>
             <a:custGeom>
@@ -35579,7 +35579,7 @@
           </p:nvSpPr>
           <p:spPr>
             <a:xfrm>
-              <a:off x="3212013" y="1841601"/>
+              <a:off x="3210270" y="1842129"/>
               <a:ext cx="33178" cy="62428"/>
             </a:xfrm>
             <a:custGeom>
@@ -35691,7 +35691,7 @@
           </p:nvSpPr>
           <p:spPr>
             <a:xfrm>
-              <a:off x="3241700" y="1814970"/>
+              <a:off x="3239956" y="1815499"/>
               <a:ext cx="71159" cy="90804"/>
             </a:xfrm>
             <a:custGeom>
@@ -35782,7 +35782,7 @@
           </p:nvSpPr>
           <p:spPr>
             <a:xfrm>
-              <a:off x="3323337" y="1809295"/>
+              <a:off x="3321593" y="1809823"/>
               <a:ext cx="34925" cy="100409"/>
             </a:xfrm>
             <a:custGeom>
@@ -35871,7 +35871,7 @@
                     <a:pt x="22592" y="94079"/>
                   </a:lnTo>
                   <a:lnTo>
-                    <a:pt x="22352" y="94996"/>
+                    <a:pt x="22351" y="94996"/>
                   </a:lnTo>
                   <a:lnTo>
                     <a:pt x="22068" y="95825"/>
@@ -36080,7 +36080,7 @@
           </p:nvSpPr>
           <p:spPr>
             <a:xfrm>
-              <a:off x="3353460" y="1813661"/>
+              <a:off x="3351716" y="1814189"/>
               <a:ext cx="69850" cy="96043"/>
             </a:xfrm>
             <a:custGeom>
@@ -36136,7 +36136,7 @@
                     <a:pt x="4452" y="76171"/>
                   </a:lnTo>
                   <a:lnTo>
-                    <a:pt x="5588" y="71299"/>
+                    <a:pt x="5587" y="71299"/>
                   </a:lnTo>
                   <a:lnTo>
                     <a:pt x="6548" y="66357"/>
@@ -36234,7 +36234,7 @@
           </p:nvSpPr>
           <p:spPr>
             <a:xfrm>
-              <a:off x="3370485" y="1821519"/>
+              <a:off x="3368742" y="1822047"/>
               <a:ext cx="40600" cy="10914"/>
             </a:xfrm>
             <a:custGeom>
@@ -36277,7 +36277,7 @@
           </p:nvSpPr>
           <p:spPr>
             <a:xfrm>
-              <a:off x="3370485" y="1840291"/>
+              <a:off x="3368742" y="1840819"/>
               <a:ext cx="21391" cy="12223"/>
             </a:xfrm>
             <a:custGeom>
@@ -36320,7 +36320,7 @@
           </p:nvSpPr>
           <p:spPr>
             <a:xfrm>
-              <a:off x="3381836" y="1880891"/>
+              <a:off x="3380093" y="1881419"/>
               <a:ext cx="28813" cy="14406"/>
             </a:xfrm>
             <a:custGeom>
@@ -36363,7 +36363,7 @@
           </p:nvSpPr>
           <p:spPr>
             <a:xfrm>
-              <a:off x="3429858" y="3143299"/>
+              <a:off x="3428114" y="3146468"/>
               <a:ext cx="34794" cy="0"/>
             </a:xfrm>
             <a:custGeom>
@@ -36403,7 +36403,7 @@
           </p:nvSpPr>
           <p:spPr>
             <a:xfrm>
-              <a:off x="3429858" y="2715939"/>
+              <a:off x="3428114" y="2718228"/>
               <a:ext cx="34794" cy="0"/>
             </a:xfrm>
             <a:custGeom>
@@ -36443,7 +36443,7 @@
           </p:nvSpPr>
           <p:spPr>
             <a:xfrm>
-              <a:off x="3429858" y="2288579"/>
+              <a:off x="3428114" y="2289987"/>
               <a:ext cx="34794" cy="0"/>
             </a:xfrm>
             <a:custGeom>
@@ -36483,7 +36483,7 @@
           </p:nvSpPr>
           <p:spPr>
             <a:xfrm>
-              <a:off x="3429858" y="1861219"/>
+              <a:off x="3428114" y="1861747"/>
               <a:ext cx="34794" cy="0"/>
             </a:xfrm>
             <a:custGeom>
@@ -36523,7 +36523,7 @@
           </p:nvSpPr>
           <p:spPr>
             <a:xfrm>
-              <a:off x="3464652" y="3399715"/>
+              <a:off x="3462909" y="3403412"/>
               <a:ext cx="0" cy="34794"/>
             </a:xfrm>
             <a:custGeom>
@@ -36563,7 +36563,7 @@
           </p:nvSpPr>
           <p:spPr>
             <a:xfrm>
-              <a:off x="3996890" y="3399715"/>
+              <a:off x="3995594" y="3403412"/>
               <a:ext cx="0" cy="34794"/>
             </a:xfrm>
             <a:custGeom>
@@ -36603,7 +36603,7 @@
           </p:nvSpPr>
           <p:spPr>
             <a:xfrm>
-              <a:off x="4529128" y="3399715"/>
+              <a:off x="4528279" y="3403412"/>
               <a:ext cx="0" cy="34794"/>
             </a:xfrm>
             <a:custGeom>
@@ -36643,7 +36643,7 @@
           </p:nvSpPr>
           <p:spPr>
             <a:xfrm>
-              <a:off x="5061366" y="3399715"/>
+              <a:off x="5060963" y="3403412"/>
               <a:ext cx="0" cy="34794"/>
             </a:xfrm>
             <a:custGeom>
@@ -36683,7 +36683,7 @@
           </p:nvSpPr>
           <p:spPr>
             <a:xfrm>
-              <a:off x="3437940" y="3461199"/>
+              <a:off x="3436197" y="3464896"/>
               <a:ext cx="53424" cy="79126"/>
             </a:xfrm>
             <a:custGeom>
@@ -37194,7 +37194,7 @@
           </p:nvSpPr>
           <p:spPr>
             <a:xfrm>
-              <a:off x="3447872" y="3469167"/>
+              <a:off x="3446129" y="3472864"/>
               <a:ext cx="33506" cy="63137"/>
             </a:xfrm>
             <a:custGeom>
@@ -37705,7 +37705,7 @@
           </p:nvSpPr>
           <p:spPr>
             <a:xfrm>
-              <a:off x="3909278" y="3461199"/>
+              <a:off x="3907981" y="3464896"/>
               <a:ext cx="50914" cy="78035"/>
             </a:xfrm>
             <a:custGeom>
@@ -38651,7 +38651,7 @@
           </p:nvSpPr>
           <p:spPr>
             <a:xfrm>
-              <a:off x="3970287" y="3462345"/>
+              <a:off x="3968991" y="3466042"/>
               <a:ext cx="52987" cy="77980"/>
             </a:xfrm>
             <a:custGeom>
@@ -39603,7 +39603,7 @@
           </p:nvSpPr>
           <p:spPr>
             <a:xfrm>
-              <a:off x="4032334" y="3461199"/>
+              <a:off x="4031037" y="3464896"/>
               <a:ext cx="53424" cy="79126"/>
             </a:xfrm>
             <a:custGeom>
@@ -40114,7 +40114,7 @@
           </p:nvSpPr>
           <p:spPr>
             <a:xfrm>
-              <a:off x="4042266" y="3469167"/>
+              <a:off x="4040969" y="3472864"/>
               <a:ext cx="33506" cy="63137"/>
             </a:xfrm>
             <a:custGeom>
@@ -40625,7 +40625,7 @@
           </p:nvSpPr>
           <p:spPr>
             <a:xfrm>
-              <a:off x="4440370" y="3462345"/>
+              <a:off x="4439520" y="3466042"/>
               <a:ext cx="52987" cy="77980"/>
             </a:xfrm>
             <a:custGeom>
@@ -41577,7 +41577,7 @@
           </p:nvSpPr>
           <p:spPr>
             <a:xfrm>
-              <a:off x="4502416" y="3461199"/>
+              <a:off x="4501566" y="3464896"/>
               <a:ext cx="53424" cy="79126"/>
             </a:xfrm>
             <a:custGeom>
@@ -42088,7 +42088,7 @@
           </p:nvSpPr>
           <p:spPr>
             <a:xfrm>
-              <a:off x="4512348" y="3469167"/>
+              <a:off x="4511498" y="3472864"/>
               <a:ext cx="33506" cy="63137"/>
             </a:xfrm>
             <a:custGeom>
@@ -42599,7 +42599,7 @@
           </p:nvSpPr>
           <p:spPr>
             <a:xfrm>
-              <a:off x="4564572" y="3461199"/>
+              <a:off x="4563722" y="3464896"/>
               <a:ext cx="53424" cy="79126"/>
             </a:xfrm>
             <a:custGeom>
@@ -43110,7 +43110,7 @@
           </p:nvSpPr>
           <p:spPr>
             <a:xfrm>
-              <a:off x="4574503" y="3469167"/>
+              <a:off x="4573654" y="3472864"/>
               <a:ext cx="33506" cy="63137"/>
             </a:xfrm>
             <a:custGeom>
@@ -43621,7 +43621,7 @@
           </p:nvSpPr>
           <p:spPr>
             <a:xfrm>
-              <a:off x="4973862" y="3462345"/>
+              <a:off x="4973460" y="3466042"/>
               <a:ext cx="50804" cy="76889"/>
             </a:xfrm>
             <a:custGeom>
@@ -43907,7 +43907,7 @@
           </p:nvSpPr>
           <p:spPr>
             <a:xfrm>
-              <a:off x="5034763" y="3462345"/>
+              <a:off x="5034360" y="3466042"/>
               <a:ext cx="52987" cy="77980"/>
             </a:xfrm>
             <a:custGeom>
@@ -44859,7 +44859,7 @@
           </p:nvSpPr>
           <p:spPr>
             <a:xfrm>
-              <a:off x="5096809" y="3461199"/>
+              <a:off x="5096407" y="3464896"/>
               <a:ext cx="53424" cy="79126"/>
             </a:xfrm>
             <a:custGeom>
@@ -45370,7 +45370,7 @@
           </p:nvSpPr>
           <p:spPr>
             <a:xfrm>
-              <a:off x="5106741" y="3469167"/>
+              <a:off x="5106339" y="3472864"/>
               <a:ext cx="33506" cy="63137"/>
             </a:xfrm>
             <a:custGeom>
